--- a/基础PPT/JavaSE进阶第三版/第13章：Java网络编程.pptx
+++ b/基础PPT/JavaSE进阶第三版/第13章：Java网络编程.pptx
@@ -10860,7 +10860,26 @@
                 <a:ea typeface="宋体" panose="02010600030101010101" pitchFamily="2" charset="-122"/>
                 <a:cs typeface="宋体" panose="02010600030101010101" pitchFamily="2" charset="-122"/>
               </a:rPr>
-              <a:t>两大类。目前现主要使用IPv4 这一类，IPV4 就是有4 段数字，每一段由0~255 数字组成。由于IPv4最大的问题在于</a:t>
+              <a:t>两大类。目前现主要使用IPv4 这一类，IPV4 就是有</a:t>
+            </a:r>
+            <a:r>
+              <a:rPr lang="zh-CN" altLang="en-US" sz="1600" b="1">
+                <a:solidFill>
+                  <a:schemeClr val="accent1"/>
+                </a:solidFill>
+                <a:latin typeface="宋体" panose="02010600030101010101" pitchFamily="2" charset="-122"/>
+                <a:ea typeface="宋体" panose="02010600030101010101" pitchFamily="2" charset="-122"/>
+                <a:cs typeface="宋体" panose="02010600030101010101" pitchFamily="2" charset="-122"/>
+              </a:rPr>
+              <a:t>4 段数字，每一段由0~255 数字组成</a:t>
+            </a:r>
+            <a:r>
+              <a:rPr lang="zh-CN" altLang="en-US" sz="1600">
+                <a:latin typeface="宋体" panose="02010600030101010101" pitchFamily="2" charset="-122"/>
+                <a:ea typeface="宋体" panose="02010600030101010101" pitchFamily="2" charset="-122"/>
+                <a:cs typeface="宋体" panose="02010600030101010101" pitchFamily="2" charset="-122"/>
+              </a:rPr>
+              <a:t>。由于IPv4最大的问题在于</a:t>
             </a:r>
             <a:r>
               <a:rPr lang="zh-CN" altLang="en-US" sz="1600" b="1">
@@ -12493,7 +12512,25 @@
                 </a:solidFill>
                 <a:sym typeface="+mn-ea"/>
               </a:rPr>
-              <a:t>        System.out.println(256 * 256 * 256 * 256l);    // ipV4 只有 4294967296 （42亿）个地址</a:t>
+              <a:t>        System.out.println(256 * 256 * 256 * 256</a:t>
+            </a:r>
+            <a:r>
+              <a:rPr lang="en-US" altLang="zh-CN" sz="1200" b="1">
+                <a:solidFill>
+                  <a:srgbClr val="FF0000"/>
+                </a:solidFill>
+                <a:sym typeface="+mn-ea"/>
+              </a:rPr>
+              <a:t>L</a:t>
+            </a:r>
+            <a:r>
+              <a:rPr lang="zh-CN" altLang="en-US" sz="1200">
+                <a:solidFill>
+                  <a:schemeClr val="tx1"/>
+                </a:solidFill>
+                <a:sym typeface="+mn-ea"/>
+              </a:rPr>
+              <a:t>);    // ipV4 只有 4294967296 （42亿）个地址</a:t>
             </a:r>
             <a:endParaRPr lang="zh-CN" altLang="en-US" sz="1200">
               <a:solidFill>
@@ -12626,7 +12663,7 @@
                 </a:solidFill>
                 <a:sym typeface="+mn-ea"/>
               </a:rPr>
-              <a:t>     * ip 测试</a:t>
+              <a:t>     * ip 测试，知道有 InetAddress 这个类就行了</a:t>
             </a:r>
             <a:endParaRPr lang="zh-CN" altLang="en-US" sz="1200">
               <a:solidFill>
@@ -13410,14 +13447,20 @@
           </a:p>
           <a:p>
             <a:r>
-              <a:rPr lang="zh-CN" altLang="en-US" sz="1600">
+              <a:rPr lang="zh-CN" altLang="en-US" sz="1600" b="1">
+                <a:solidFill>
+                  <a:srgbClr val="FF0000"/>
+                </a:solidFill>
                 <a:latin typeface="宋体" panose="02010600030101010101" pitchFamily="2" charset="-122"/>
                 <a:ea typeface="宋体" panose="02010600030101010101" pitchFamily="2" charset="-122"/>
                 <a:cs typeface="宋体" panose="02010600030101010101" pitchFamily="2" charset="-122"/>
               </a:rPr>
               <a:t>(1)创建Socket</a:t>
             </a:r>
-            <a:endParaRPr lang="zh-CN" altLang="en-US" sz="1600">
+            <a:endParaRPr lang="zh-CN" altLang="en-US" sz="1600" b="1">
+              <a:solidFill>
+                <a:srgbClr val="FF0000"/>
+              </a:solidFill>
               <a:latin typeface="宋体" panose="02010600030101010101" pitchFamily="2" charset="-122"/>
               <a:ea typeface="宋体" panose="02010600030101010101" pitchFamily="2" charset="-122"/>
               <a:cs typeface="宋体" panose="02010600030101010101" pitchFamily="2" charset="-122"/>
@@ -13425,14 +13468,20 @@
           </a:p>
           <a:p>
             <a:r>
-              <a:rPr lang="zh-CN" altLang="en-US" sz="1600">
+              <a:rPr lang="zh-CN" altLang="en-US" sz="1600" b="1">
+                <a:solidFill>
+                  <a:srgbClr val="FF0000"/>
+                </a:solidFill>
                 <a:latin typeface="宋体" panose="02010600030101010101" pitchFamily="2" charset="-122"/>
                 <a:ea typeface="宋体" panose="02010600030101010101" pitchFamily="2" charset="-122"/>
                 <a:cs typeface="宋体" panose="02010600030101010101" pitchFamily="2" charset="-122"/>
               </a:rPr>
               <a:t>(2)打开连接到Socket的输入/输出流</a:t>
             </a:r>
-            <a:endParaRPr lang="zh-CN" altLang="en-US" sz="1600">
+            <a:endParaRPr lang="zh-CN" altLang="en-US" sz="1600" b="1">
+              <a:solidFill>
+                <a:srgbClr val="FF0000"/>
+              </a:solidFill>
               <a:latin typeface="宋体" panose="02010600030101010101" pitchFamily="2" charset="-122"/>
               <a:ea typeface="宋体" panose="02010600030101010101" pitchFamily="2" charset="-122"/>
               <a:cs typeface="宋体" panose="02010600030101010101" pitchFamily="2" charset="-122"/>
@@ -13440,14 +13489,20 @@
           </a:p>
           <a:p>
             <a:r>
-              <a:rPr lang="zh-CN" altLang="en-US" sz="1600">
+              <a:rPr lang="zh-CN" altLang="en-US" sz="1600" b="1">
+                <a:solidFill>
+                  <a:srgbClr val="FF0000"/>
+                </a:solidFill>
                 <a:latin typeface="宋体" panose="02010600030101010101" pitchFamily="2" charset="-122"/>
                 <a:ea typeface="宋体" panose="02010600030101010101" pitchFamily="2" charset="-122"/>
                 <a:cs typeface="宋体" panose="02010600030101010101" pitchFamily="2" charset="-122"/>
               </a:rPr>
               <a:t>(3)按照一定协议对Socket执行读写操作</a:t>
             </a:r>
-            <a:endParaRPr lang="zh-CN" altLang="en-US" sz="1600">
+            <a:endParaRPr lang="zh-CN" altLang="en-US" sz="1600" b="1">
+              <a:solidFill>
+                <a:srgbClr val="FF0000"/>
+              </a:solidFill>
               <a:latin typeface="宋体" panose="02010600030101010101" pitchFamily="2" charset="-122"/>
               <a:ea typeface="宋体" panose="02010600030101010101" pitchFamily="2" charset="-122"/>
               <a:cs typeface="宋体" panose="02010600030101010101" pitchFamily="2" charset="-122"/>
@@ -13455,14 +13510,20 @@
           </a:p>
           <a:p>
             <a:r>
-              <a:rPr lang="zh-CN" altLang="en-US" sz="1600">
+              <a:rPr lang="zh-CN" altLang="en-US" sz="1600" b="1">
+                <a:solidFill>
+                  <a:srgbClr val="FF0000"/>
+                </a:solidFill>
                 <a:latin typeface="宋体" panose="02010600030101010101" pitchFamily="2" charset="-122"/>
                 <a:ea typeface="宋体" panose="02010600030101010101" pitchFamily="2" charset="-122"/>
                 <a:cs typeface="宋体" panose="02010600030101010101" pitchFamily="2" charset="-122"/>
               </a:rPr>
               <a:t>(4)关闭Socket</a:t>
             </a:r>
-            <a:endParaRPr lang="zh-CN" altLang="en-US" sz="1600">
+            <a:endParaRPr lang="zh-CN" altLang="en-US" sz="1600" b="1">
+              <a:solidFill>
+                <a:srgbClr val="FF0000"/>
+              </a:solidFill>
               <a:latin typeface="宋体" panose="02010600030101010101" pitchFamily="2" charset="-122"/>
               <a:ea typeface="宋体" panose="02010600030101010101" pitchFamily="2" charset="-122"/>
               <a:cs typeface="宋体" panose="02010600030101010101" pitchFamily="2" charset="-122"/>
